--- a/presentation/TakingThePainOutOfApllicationDeployment.pptx
+++ b/presentation/TakingThePainOutOfApllicationDeployment.pptx
@@ -3198,7 +3198,7 @@
           </a:ln>
           <a:extLst>
             <a:ext uri="{C572A759-6A51-4108-AA02-DFA0A04FC94B}">
-              <ma14:wrappingTextBoxFlag xmlns:ma14="http://schemas.microsoft.com/office/mac/drawingml/2011/main" xmlns:a14="http://schemas.microsoft.com/office/drawing/2010/main" xmlns:m="http://schemas.openxmlformats.org/officeDocument/2006/math" xmlns="" val="1"/>
+              <ma14:wrappingTextBoxFlag xmlns="" xmlns:m="http://schemas.openxmlformats.org/officeDocument/2006/math" xmlns:a14="http://schemas.microsoft.com/office/drawing/2010/main" xmlns:ma14="http://schemas.microsoft.com/office/mac/drawingml/2011/main" val="1"/>
             </a:ext>
           </a:extLst>
         </p:spPr>
@@ -3237,7 +3237,7 @@
           </a:ln>
           <a:extLst>
             <a:ext uri="{C572A759-6A51-4108-AA02-DFA0A04FC94B}">
-              <ma14:wrappingTextBoxFlag xmlns:ma14="http://schemas.microsoft.com/office/mac/drawingml/2011/main" xmlns:a14="http://schemas.microsoft.com/office/drawing/2010/main" xmlns:m="http://schemas.openxmlformats.org/officeDocument/2006/math" xmlns="" val="1"/>
+              <ma14:wrappingTextBoxFlag xmlns="" xmlns:m="http://schemas.openxmlformats.org/officeDocument/2006/math" xmlns:a14="http://schemas.microsoft.com/office/drawing/2010/main" xmlns:ma14="http://schemas.microsoft.com/office/mac/drawingml/2011/main" val="1"/>
             </a:ext>
           </a:extLst>
         </p:spPr>
@@ -4106,7 +4106,7 @@
           </a:prstGeom>
           <a:extLst>
             <a:ext uri="{C572A759-6A51-4108-AA02-DFA0A04FC94B}">
-              <ma14:wrappingTextBoxFlag xmlns:ma14="http://schemas.microsoft.com/office/mac/drawingml/2011/main" xmlns:a14="http://schemas.microsoft.com/office/drawing/2010/main" xmlns:m="http://schemas.openxmlformats.org/officeDocument/2006/math" xmlns="" val="1"/>
+              <ma14:wrappingTextBoxFlag xmlns="" xmlns:m="http://schemas.openxmlformats.org/officeDocument/2006/math" xmlns:a14="http://schemas.microsoft.com/office/drawing/2010/main" xmlns:ma14="http://schemas.microsoft.com/office/mac/drawingml/2011/main" val="1"/>
             </a:ext>
           </a:extLst>
         </p:spPr>
@@ -4193,7 +4193,7 @@
           </a:ln>
           <a:extLst>
             <a:ext uri="{C572A759-6A51-4108-AA02-DFA0A04FC94B}">
-              <ma14:wrappingTextBoxFlag xmlns:ma14="http://schemas.microsoft.com/office/mac/drawingml/2011/main" xmlns:a14="http://schemas.microsoft.com/office/drawing/2010/main" xmlns:m="http://schemas.openxmlformats.org/officeDocument/2006/math" xmlns="" val="1"/>
+              <ma14:wrappingTextBoxFlag xmlns="" xmlns:m="http://schemas.openxmlformats.org/officeDocument/2006/math" xmlns:a14="http://schemas.microsoft.com/office/drawing/2010/main" xmlns:ma14="http://schemas.microsoft.com/office/mac/drawingml/2011/main" val="1"/>
             </a:ext>
           </a:extLst>
         </p:spPr>
@@ -4236,7 +4236,7 @@
           </a:ln>
           <a:extLst>
             <a:ext uri="{C572A759-6A51-4108-AA02-DFA0A04FC94B}">
-              <ma14:wrappingTextBoxFlag xmlns:ma14="http://schemas.microsoft.com/office/mac/drawingml/2011/main" xmlns:a14="http://schemas.microsoft.com/office/drawing/2010/main" xmlns:m="http://schemas.openxmlformats.org/officeDocument/2006/math" xmlns="" val="1"/>
+              <ma14:wrappingTextBoxFlag xmlns="" xmlns:m="http://schemas.openxmlformats.org/officeDocument/2006/math" xmlns:a14="http://schemas.microsoft.com/office/drawing/2010/main" xmlns:ma14="http://schemas.microsoft.com/office/mac/drawingml/2011/main" val="1"/>
             </a:ext>
           </a:extLst>
         </p:spPr>
@@ -4586,7 +4586,7 @@
                   <a:srgbClr val="FFFFFF"/>
                 </a:solidFill>
               </a:rPr>
-              <a:t>Would be great to have</a:t>
+              <a:t>Would be great to have High Availability (HA)</a:t>
             </a:r>
           </a:p>
           <a:p>
@@ -5083,6 +5083,37 @@
               </a:solidFill>
             </a:endParaRPr>
           </a:p>
+          <a:p>
+            <a:pPr lvl="1">
+              <a:defRPr>
+                <a:solidFill>
+                  <a:srgbClr val="FFFFFF"/>
+                </a:solidFill>
+              </a:defRPr>
+            </a:pPr>
+            <a:r>
+              <a:rPr lang="en-US" dirty="0">
+                <a:solidFill>
+                  <a:srgbClr val="FFFFFF"/>
+                </a:solidFill>
+              </a:rPr>
+              <a:t>Most help scripts don’t work on ARM </a:t>
+            </a:r>
+            <a:r>
+              <a:rPr lang="en-US" dirty="0">
+                <a:solidFill>
+                  <a:srgbClr val="FFFFFF"/>
+                </a:solidFill>
+                <a:sym typeface="Wingdings" pitchFamily="2" charset="2"/>
+              </a:rPr>
+              <a:t></a:t>
+            </a:r>
+            <a:endParaRPr lang="en-US" dirty="0">
+              <a:solidFill>
+                <a:srgbClr val="FFFFFF"/>
+              </a:solidFill>
+            </a:endParaRPr>
+          </a:p>
         </p:txBody>
       </p:sp>
       <p:pic>
@@ -5239,8 +5270,12 @@
               </a:defRPr>
             </a:pPr>
             <a:r>
-              <a:rPr lang="en-US" dirty="0"/>
-              <a:t>Helm used for all applications</a:t>
+              <a:rPr lang="en-US" dirty="0">
+                <a:solidFill>
+                  <a:srgbClr val="FFFFFF"/>
+                </a:solidFill>
+              </a:rPr>
+              <a:t>Only application not using Helm</a:t>
             </a:r>
           </a:p>
           <a:p>
@@ -5252,12 +5287,8 @@
               </a:defRPr>
             </a:pPr>
             <a:r>
-              <a:rPr lang="en-US" dirty="0">
-                <a:solidFill>
-                  <a:srgbClr val="FFFFFF"/>
-                </a:solidFill>
-              </a:rPr>
-              <a:t>Only application not using Helm</a:t>
+              <a:rPr lang="en-US" dirty="0"/>
+              <a:t>Helm used for all other applications</a:t>
             </a:r>
           </a:p>
           <a:p>
@@ -5481,6 +5512,42 @@
           </a:prstGeom>
         </p:spPr>
       </p:pic>
+      <p:pic>
+        <p:nvPicPr>
+          <p:cNvPr id="4" name="Picture 3" descr="Text&#10;&#10;Description automatically generated">
+            <a:extLst>
+              <a:ext uri="{FF2B5EF4-FFF2-40B4-BE49-F238E27FC236}">
+                <a16:creationId xmlns:a16="http://schemas.microsoft.com/office/drawing/2014/main" id="{94979008-838B-F244-BB97-61FC82855EDD}"/>
+              </a:ext>
+            </a:extLst>
+          </p:cNvPr>
+          <p:cNvPicPr>
+            <a:picLocks noChangeAspect="1"/>
+          </p:cNvPicPr>
+          <p:nvPr/>
+        </p:nvPicPr>
+        <p:blipFill>
+          <a:blip r:embed="rId3">
+            <a:extLst>
+              <a:ext uri="{28A0092B-C50C-407E-A947-70E740481C1C}">
+                <a14:useLocalDpi xmlns:a14="http://schemas.microsoft.com/office/drawing/2010/main" val="0"/>
+              </a:ext>
+            </a:extLst>
+          </a:blip>
+          <a:stretch>
+            <a:fillRect/>
+          </a:stretch>
+        </p:blipFill>
+        <p:spPr>
+          <a:xfrm>
+            <a:off x="930165" y="9549524"/>
+            <a:ext cx="3213976" cy="3213976"/>
+          </a:xfrm>
+          <a:prstGeom prst="rect">
+            <a:avLst/>
+          </a:prstGeom>
+        </p:spPr>
+      </p:pic>
     </p:spTree>
     <p:extLst>
       <p:ext uri="{BB962C8B-B14F-4D97-AF65-F5344CB8AC3E}">
@@ -5579,7 +5646,7 @@
         </p:spPr>
         <p:txBody>
           <a:bodyPr>
-            <a:normAutofit/>
+            <a:normAutofit fontScale="92500" lnSpcReduction="20000"/>
           </a:bodyPr>
           <a:lstStyle/>
           <a:p>
@@ -5613,7 +5680,7 @@
                   <a:srgbClr val="FFFFFF"/>
                 </a:solidFill>
               </a:rPr>
-              <a:t>Only bit not using Helm</a:t>
+              <a:t>Only deployment not using Helm</a:t>
             </a:r>
           </a:p>
           <a:p>
@@ -5630,7 +5697,24 @@
                   <a:srgbClr val="FFFFFF"/>
                 </a:solidFill>
               </a:rPr>
-              <a:t>Application simply wrapped as in Docker images</a:t>
+              <a:t>Application is built as a Docker Image</a:t>
+            </a:r>
+          </a:p>
+          <a:p>
+            <a:pPr lvl="1">
+              <a:defRPr>
+                <a:solidFill>
+                  <a:srgbClr val="FFFFFF"/>
+                </a:solidFill>
+              </a:defRPr>
+            </a:pPr>
+            <a:r>
+              <a:rPr lang="en-ZA" dirty="0">
+                <a:solidFill>
+                  <a:srgbClr val="FFFFFF"/>
+                </a:solidFill>
+              </a:rPr>
+              <a:t>Once again everything on GitHub</a:t>
             </a:r>
           </a:p>
           <a:p>
@@ -5661,7 +5745,10 @@
             <a:r>
               <a:rPr lang="en-ZA" dirty="0">
                 <a:solidFill>
-                  <a:srgbClr val="FFFFFF"/>
+                  <a:schemeClr val="bg1">
+                    <a:lumMod val="25000"/>
+                    <a:lumOff val="75000"/>
+                  </a:schemeClr>
                 </a:solidFill>
                 <a:hlinkClick r:id="rId2">
                   <a:extLst>
@@ -5675,7 +5762,10 @@
             </a:r>
             <a:endParaRPr lang="en-ZA" dirty="0">
               <a:solidFill>
-                <a:srgbClr val="FFFFFF"/>
+                <a:schemeClr val="bg1">
+                  <a:lumMod val="25000"/>
+                  <a:lumOff val="75000"/>
+                </a:schemeClr>
               </a:solidFill>
             </a:endParaRPr>
           </a:p>
@@ -5707,7 +5797,10 @@
             <a:r>
               <a:rPr lang="en-ZA" dirty="0">
                 <a:solidFill>
-                  <a:srgbClr val="FFFFFF"/>
+                  <a:schemeClr val="bg1">
+                    <a:lumMod val="25000"/>
+                    <a:lumOff val="75000"/>
+                  </a:schemeClr>
                 </a:solidFill>
               </a:rPr>
               <a:t>https://</a:t>
@@ -5715,7 +5808,10 @@
             <a:r>
               <a:rPr lang="en-ZA" dirty="0" err="1">
                 <a:solidFill>
-                  <a:srgbClr val="FFFFFF"/>
+                  <a:schemeClr val="bg1">
+                    <a:lumMod val="25000"/>
+                    <a:lumOff val="75000"/>
+                  </a:schemeClr>
                 </a:solidFill>
               </a:rPr>
               <a:t>bit.ly</a:t>
@@ -5723,7 +5819,10 @@
             <a:r>
               <a:rPr lang="en-ZA" dirty="0">
                 <a:solidFill>
-                  <a:srgbClr val="FFFFFF"/>
+                  <a:schemeClr val="bg1">
+                    <a:lumMod val="25000"/>
+                    <a:lumOff val="75000"/>
+                  </a:schemeClr>
                 </a:solidFill>
               </a:rPr>
               <a:t>/2YjPR9u</a:t>
@@ -5913,7 +6012,10 @@
             <a:r>
               <a:rPr lang="en-ZA" dirty="0">
                 <a:solidFill>
-                  <a:srgbClr val="FFFFFF"/>
+                  <a:schemeClr val="bg1">
+                    <a:lumMod val="25000"/>
+                    <a:lumOff val="75000"/>
+                  </a:schemeClr>
                 </a:solidFill>
                 <a:hlinkClick r:id="rId2">
                   <a:extLst>
@@ -5927,7 +6029,10 @@
             </a:r>
             <a:endParaRPr lang="en-ZA" dirty="0">
               <a:solidFill>
-                <a:srgbClr val="FFFFFF"/>
+                <a:schemeClr val="bg1">
+                  <a:lumMod val="25000"/>
+                  <a:lumOff val="75000"/>
+                </a:schemeClr>
               </a:solidFill>
             </a:endParaRPr>
           </a:p>
@@ -6181,23 +6286,7 @@
                   <a:srgbClr val="FFFFFF"/>
                 </a:solidFill>
               </a:rPr>
-              <a:t>How do we get the </a:t>
-            </a:r>
-            <a:r>
-              <a:rPr lang="en-ZA" dirty="0" err="1">
-                <a:solidFill>
-                  <a:srgbClr val="FFFFFF"/>
-                </a:solidFill>
-              </a:rPr>
-              <a:t>ssl</a:t>
-            </a:r>
-            <a:r>
-              <a:rPr lang="en-ZA" dirty="0">
-                <a:solidFill>
-                  <a:srgbClr val="FFFFFF"/>
-                </a:solidFill>
-              </a:rPr>
-              <a:t> cert?</a:t>
+              <a:t>How do we get the SSL cert?</a:t>
             </a:r>
           </a:p>
           <a:p>
@@ -6228,15 +6317,27 @@
             <a:r>
               <a:rPr lang="en-ZA" dirty="0">
                 <a:solidFill>
-                  <a:srgbClr val="FFFFFF"/>
-                </a:solidFill>
-                <a:hlinkClick r:id="rId2"/>
+                  <a:schemeClr val="bg1">
+                    <a:lumMod val="25000"/>
+                    <a:lumOff val="75000"/>
+                  </a:schemeClr>
+                </a:solidFill>
+                <a:hlinkClick r:id="rId2">
+                  <a:extLst>
+                    <a:ext uri="{A12FA001-AC4F-418D-AE19-62706E023703}">
+                      <ahyp:hlinkClr xmlns:ahyp="http://schemas.microsoft.com/office/drawing/2018/hyperlinkcolor" val="tx"/>
+                    </a:ext>
+                  </a:extLst>
+                </a:hlinkClick>
               </a:rPr>
               <a:t>https://cert-manager.io/</a:t>
             </a:r>
             <a:endParaRPr lang="en-ZA" dirty="0">
               <a:solidFill>
-                <a:srgbClr val="FFFFFF"/>
+                <a:schemeClr val="bg1">
+                  <a:lumMod val="25000"/>
+                  <a:lumOff val="75000"/>
+                </a:schemeClr>
               </a:solidFill>
             </a:endParaRPr>
           </a:p>
@@ -6473,7 +6574,10 @@
             <a:r>
               <a:rPr lang="en-ZA" dirty="0">
                 <a:solidFill>
-                  <a:srgbClr val="FFFFFF"/>
+                  <a:schemeClr val="bg1">
+                    <a:lumMod val="25000"/>
+                    <a:lumOff val="75000"/>
+                  </a:schemeClr>
                 </a:solidFill>
                 <a:hlinkClick r:id="rId2">
                   <a:extLst>
@@ -6487,7 +6591,10 @@
             </a:r>
             <a:endParaRPr lang="en-ZA" dirty="0">
               <a:solidFill>
-                <a:srgbClr val="FFFFFF"/>
+                <a:schemeClr val="bg1">
+                  <a:lumMod val="25000"/>
+                  <a:lumOff val="75000"/>
+                </a:schemeClr>
               </a:solidFill>
             </a:endParaRPr>
           </a:p>
@@ -6737,7 +6844,7 @@
             </a:pPr>
             <a:r>
               <a:rPr lang="en-US" dirty="0"/>
-              <a:t>Jumped to the hard part</a:t>
+              <a:t>Need to take a couple steps back first</a:t>
             </a:r>
             <a:endParaRPr dirty="0"/>
           </a:p>
@@ -7511,7 +7618,7 @@
           </a:prstGeom>
           <a:extLst>
             <a:ext uri="{C572A759-6A51-4108-AA02-DFA0A04FC94B}">
-              <ma14:wrappingTextBoxFlag xmlns:ma14="http://schemas.microsoft.com/office/mac/drawingml/2011/main" xmlns:a14="http://schemas.microsoft.com/office/drawing/2010/main" xmlns:m="http://schemas.openxmlformats.org/officeDocument/2006/math" xmlns="" val="1"/>
+              <ma14:wrappingTextBoxFlag xmlns="" xmlns:m="http://schemas.openxmlformats.org/officeDocument/2006/math" xmlns:a14="http://schemas.microsoft.com/office/drawing/2010/main" xmlns:ma14="http://schemas.microsoft.com/office/mac/drawingml/2011/main" val="1"/>
             </a:ext>
           </a:extLst>
         </p:spPr>
@@ -7570,7 +7677,7 @@
           </a:ln>
           <a:extLst>
             <a:ext uri="{C572A759-6A51-4108-AA02-DFA0A04FC94B}">
-              <ma14:wrappingTextBoxFlag xmlns:ma14="http://schemas.microsoft.com/office/mac/drawingml/2011/main" xmlns:a14="http://schemas.microsoft.com/office/drawing/2010/main" xmlns:m="http://schemas.openxmlformats.org/officeDocument/2006/math" xmlns="" val="1"/>
+              <ma14:wrappingTextBoxFlag xmlns="" xmlns:m="http://schemas.openxmlformats.org/officeDocument/2006/math" xmlns:a14="http://schemas.microsoft.com/office/drawing/2010/main" xmlns:ma14="http://schemas.microsoft.com/office/mac/drawingml/2011/main" val="1"/>
             </a:ext>
           </a:extLst>
         </p:spPr>
@@ -7619,7 +7726,7 @@
           </a:ln>
           <a:extLst>
             <a:ext uri="{C572A759-6A51-4108-AA02-DFA0A04FC94B}">
-              <ma14:wrappingTextBoxFlag xmlns:ma14="http://schemas.microsoft.com/office/mac/drawingml/2011/main" xmlns:a14="http://schemas.microsoft.com/office/drawing/2010/main" xmlns:m="http://schemas.openxmlformats.org/officeDocument/2006/math" xmlns="" val="1"/>
+              <ma14:wrappingTextBoxFlag xmlns="" xmlns:m="http://schemas.openxmlformats.org/officeDocument/2006/math" xmlns:a14="http://schemas.microsoft.com/office/drawing/2010/main" xmlns:ma14="http://schemas.microsoft.com/office/mac/drawingml/2011/main" val="1"/>
             </a:ext>
           </a:extLst>
         </p:spPr>
@@ -7819,7 +7926,7 @@
                   <a:schemeClr val="bg2"/>
                 </a:solidFill>
               </a:rPr>
-              <a:t>Can replace pieces</a:t>
+              <a:t>Replace with your own pieces</a:t>
             </a:r>
           </a:p>
           <a:p>
@@ -8424,7 +8531,7 @@
           </a:ln>
           <a:extLst>
             <a:ext uri="{C572A759-6A51-4108-AA02-DFA0A04FC94B}">
-              <ma14:wrappingTextBoxFlag xmlns:ma14="http://schemas.microsoft.com/office/mac/drawingml/2011/main" xmlns:a14="http://schemas.microsoft.com/office/drawing/2010/main" xmlns:m="http://schemas.openxmlformats.org/officeDocument/2006/math" xmlns="" val="1"/>
+              <ma14:wrappingTextBoxFlag xmlns="" xmlns:m="http://schemas.openxmlformats.org/officeDocument/2006/math" xmlns:a14="http://schemas.microsoft.com/office/drawing/2010/main" xmlns:ma14="http://schemas.microsoft.com/office/mac/drawingml/2011/main" val="1"/>
             </a:ext>
           </a:extLst>
         </p:spPr>
@@ -8884,7 +8991,7 @@
           </a:ln>
           <a:extLst>
             <a:ext uri="{C572A759-6A51-4108-AA02-DFA0A04FC94B}">
-              <ma14:wrappingTextBoxFlag xmlns="" xmlns:m="http://schemas.openxmlformats.org/officeDocument/2006/math" xmlns:a14="http://schemas.microsoft.com/office/drawing/2010/main" xmlns:ma14="http://schemas.microsoft.com/office/mac/drawingml/2011/main" val="1"/>
+              <ma14:wrappingTextBoxFlag xmlns:ma14="http://schemas.microsoft.com/office/mac/drawingml/2011/main" xmlns:a14="http://schemas.microsoft.com/office/drawing/2010/main" xmlns:m="http://schemas.openxmlformats.org/officeDocument/2006/math" xmlns="" val="1"/>
             </a:ext>
           </a:extLst>
         </p:spPr>
